--- a/Lessons/Lesson-5/Multimodal prompting.pptx
+++ b/Lessons/Lesson-5/Multimodal prompting.pptx
@@ -224,7 +224,7 @@
           <a:p>
             <a:fld id="{1A9CCF9A-981A-5249-97D4-A6A8CB76D112}" type="datetimeFigureOut">
               <a:rPr lang="en-US" smtClean="0"/>
-              <a:t>12/19/24</a:t>
+              <a:t>1/9/25</a:t>
             </a:fld>
             <a:endParaRPr lang="en-US"/>
           </a:p>
@@ -6769,49 +6769,49 @@
           <a:p>
             <a:pPr lvl="1"/>
             <a:r>
-              <a:rPr lang="en-US" sz="2000" dirty="0"/>
+              <a:rPr lang="en-US" dirty="0"/>
               <a:t>Text is a powerful mode for model outputs</a:t>
             </a:r>
           </a:p>
           <a:p>
             <a:pPr lvl="1"/>
             <a:r>
-              <a:rPr lang="en-US" sz="2000" dirty="0"/>
+              <a:rPr lang="en-US" dirty="0"/>
               <a:t>A model that can understand/generate text can be used for many tasks:</a:t>
             </a:r>
           </a:p>
           <a:p>
             <a:pPr lvl="2"/>
             <a:r>
-              <a:rPr lang="en-US" sz="1800" dirty="0"/>
+              <a:rPr lang="en-US" dirty="0"/>
               <a:t>Summarization</a:t>
             </a:r>
           </a:p>
           <a:p>
             <a:pPr lvl="2"/>
             <a:r>
-              <a:rPr lang="en-US" sz="1800" dirty="0"/>
+              <a:rPr lang="en-US" dirty="0"/>
               <a:t>Translation</a:t>
             </a:r>
           </a:p>
           <a:p>
             <a:pPr lvl="2"/>
             <a:r>
-              <a:rPr lang="en-US" sz="1800" dirty="0"/>
+              <a:rPr lang="en-US" dirty="0"/>
               <a:t>Reasoning</a:t>
             </a:r>
           </a:p>
           <a:p>
             <a:pPr lvl="2"/>
             <a:r>
-              <a:rPr lang="en-US" sz="1800" dirty="0"/>
-              <a:t>question answering, </a:t>
+              <a:rPr lang="en-US" dirty="0"/>
+              <a:t>question answering </a:t>
             </a:r>
           </a:p>
           <a:p>
             <a:pPr lvl="2"/>
             <a:r>
-              <a:rPr lang="en-US" sz="1800" dirty="0"/>
+              <a:rPr lang="en-US" dirty="0"/>
               <a:t>etc.</a:t>
             </a:r>
           </a:p>
@@ -6980,11 +6980,11 @@
           </a:p>
           <a:p>
             <a:r>
-              <a:rPr lang="en-US" sz="2000" dirty="0"/>
+              <a:rPr lang="en-US" sz="2400" dirty="0"/>
               <a:t>In this course, we will focus mainly on </a:t>
             </a:r>
             <a:r>
-              <a:rPr lang="en-US" sz="2000" dirty="0">
+              <a:rPr lang="en-US" sz="2400" dirty="0">
                 <a:solidFill>
                   <a:schemeClr val="accent6"/>
                 </a:solidFill>
@@ -6993,11 +6993,11 @@
               <a:t>text</a:t>
             </a:r>
             <a:r>
-              <a:rPr lang="en-US" sz="2000" dirty="0"/>
+              <a:rPr lang="en-US" sz="2400" dirty="0"/>
               <a:t> and </a:t>
             </a:r>
             <a:r>
-              <a:rPr lang="en-US" sz="2000" dirty="0">
+              <a:rPr lang="en-US" sz="2400" dirty="0">
                 <a:solidFill>
                   <a:schemeClr val="accent6"/>
                 </a:solidFill>
@@ -7006,10 +7006,10 @@
               <a:t>image</a:t>
             </a:r>
             <a:r>
-              <a:rPr lang="en-US" sz="2000" dirty="0"/>
+              <a:rPr lang="en-US" sz="2400" dirty="0"/>
               <a:t> data.</a:t>
             </a:r>
-            <a:endParaRPr lang="en-US" dirty="0"/>
+            <a:endParaRPr lang="en-US" sz="3200" dirty="0"/>
           </a:p>
         </p:txBody>
       </p:sp>
@@ -7231,14 +7231,11 @@
               </a:rPr>
               <a:t>text</a:t>
             </a:r>
-            <a:r>
-              <a:rPr lang="en-US" sz="2800" b="1" dirty="0">
-                <a:solidFill>
-                  <a:sysClr val="windowText" lastClr="000000"/>
-                </a:solidFill>
-              </a:rPr>
-              <a:t>.</a:t>
-            </a:r>
+            <a:endParaRPr lang="en-US" sz="2800" b="1" dirty="0">
+              <a:solidFill>
+                <a:sysClr val="windowText" lastClr="000000"/>
+              </a:solidFill>
+            </a:endParaRPr>
           </a:p>
           <a:p>
             <a:r>
@@ -7272,7 +7269,7 @@
                   <a:sysClr val="windowText" lastClr="000000"/>
                 </a:solidFill>
               </a:rPr>
-              <a:t>being used in certain contexts.</a:t>
+              <a:t>being used in certain contexts</a:t>
             </a:r>
           </a:p>
           <a:p>
@@ -7299,7 +7296,7 @@
                   <a:sysClr val="windowText" lastClr="000000"/>
                 </a:solidFill>
               </a:rPr>
-              <a:t>Learn to predict the missing word in a text sequence.</a:t>
+              <a:t>Learn to predict the missing word in a text sequence</a:t>
             </a:r>
           </a:p>
           <a:p>
@@ -9086,7 +9083,7 @@
             <a:pPr lvl="1"/>
             <a:r>
               <a:rPr lang="en-US" sz="2000" dirty="0"/>
-              <a:t>Follow best prompting strategies discussed in previous lessons.</a:t>
+              <a:t>Follow best prompting strategies discussed in previous lessons</a:t>
             </a:r>
           </a:p>
           <a:p>
@@ -9127,15 +9124,7 @@
             </a:r>
             <a:r>
               <a:rPr lang="en-US" sz="2000" dirty="0"/>
-              <a:t>: Adhere to the image size limitations (</a:t>
-            </a:r>
-            <a:r>
-              <a:rPr lang="en-US" sz="2000" dirty="0" err="1"/>
-              <a:t>eg</a:t>
-            </a:r>
-            <a:r>
-              <a:rPr lang="en-US" sz="2000" dirty="0"/>
-              <a:t>: &lt;5MB)</a:t>
+              <a:t>: Adhere to the image size limitations (e.g. &lt;5MB)</a:t>
             </a:r>
           </a:p>
           <a:p>
@@ -9161,23 +9150,7 @@
             </a:r>
             <a:r>
               <a:rPr lang="en-US" sz="2000" dirty="0"/>
-              <a:t>: Follow the image format specified for </a:t>
-            </a:r>
-            <a:r>
-              <a:rPr lang="en-US" sz="2000"/>
-              <a:t>the MLLM </a:t>
-            </a:r>
-            <a:r>
-              <a:rPr lang="en-US" sz="2000" dirty="0"/>
-              <a:t>(</a:t>
-            </a:r>
-            <a:r>
-              <a:rPr lang="en-US" sz="2000" dirty="0" err="1"/>
-              <a:t>eg</a:t>
-            </a:r>
-            <a:r>
-              <a:rPr lang="en-US" sz="2000" dirty="0"/>
-              <a:t>: jpg, </a:t>
+              <a:t>: Follow the image format specified for the MLLM (e.g. jpg, </a:t>
             </a:r>
             <a:r>
               <a:rPr lang="en-US" sz="2000" dirty="0" err="1"/>
@@ -9185,15 +9158,7 @@
             </a:r>
             <a:r>
               <a:rPr lang="en-US" sz="2000" dirty="0"/>
-              <a:t>, </a:t>
-            </a:r>
-            <a:r>
-              <a:rPr lang="en-US" sz="2000" dirty="0" err="1"/>
-              <a:t>etc</a:t>
-            </a:r>
-            <a:r>
-              <a:rPr lang="en-US" sz="2000" dirty="0"/>
-              <a:t>)</a:t>
+              <a:t>, etc.)</a:t>
             </a:r>
           </a:p>
           <a:p>
@@ -9795,7 +9760,7 @@
                 </a:solidFill>
                 <a:latin typeface="+mn-lt"/>
               </a:rPr>
-              <a:t>for enterprises to be able to search through all their internal images and documents. </a:t>
+              <a:t>for enterprises to be able to search through all their internal images and documents </a:t>
             </a:r>
           </a:p>
           <a:p>
@@ -12586,13 +12551,8 @@
           <a:p>
             <a:r>
               <a:rPr lang="en-US" dirty="0"/>
-              <a:t>This lesson introduced multimodal models and </a:t>
-            </a:r>
-            <a:r>
-              <a:rPr lang="en-US"/>
-              <a:t>applications.</a:t>
-            </a:r>
-            <a:endParaRPr lang="en-US" dirty="0"/>
+              <a:t>This lesson introduced multimodal models and applications</a:t>
+            </a:r>
           </a:p>
         </p:txBody>
       </p:sp>
@@ -12900,7 +12860,7 @@
           <a:p>
             <a:r>
               <a:rPr lang="en-US" dirty="0"/>
-              <a:t>They need to create individual flyers about each pet based on their images and bio.</a:t>
+              <a:t>They need to create individual flyers about each pet based on their images and bio</a:t>
             </a:r>
           </a:p>
           <a:p>
@@ -13118,7 +13078,7 @@
             <a:pPr lvl="1"/>
             <a:r>
               <a:rPr lang="en-US" sz="2400" dirty="0"/>
-              <a:t>It won’t accept the input search query or won’t be able to generate text.</a:t>
+              <a:t>It won’t accept the input search query or won’t be able to generate text</a:t>
             </a:r>
           </a:p>
           <a:p>
@@ -14170,7 +14130,7 @@
                   <a:schemeClr val="bg1"/>
                 </a:solidFill>
               </a:rPr>
-              <a:t>There year old </a:t>
+              <a:t>There is a 2-year-old </a:t>
             </a:r>
             <a:r>
               <a:rPr lang="en-US" dirty="0" err="1">
@@ -14881,56 +14841,56 @@
           <a:p>
             <a:pPr lvl="1"/>
             <a:r>
-              <a:rPr lang="en-US" sz="2000" dirty="0"/>
+              <a:rPr lang="en-US" dirty="0"/>
               <a:t>The most versatile format for model inputs</a:t>
             </a:r>
           </a:p>
           <a:p>
             <a:pPr lvl="1"/>
             <a:r>
-              <a:rPr lang="en-US" sz="2000" dirty="0"/>
+              <a:rPr lang="en-US" dirty="0"/>
               <a:t>There’s much more visual data than text data</a:t>
             </a:r>
           </a:p>
           <a:p>
             <a:pPr lvl="2"/>
             <a:r>
-              <a:rPr lang="en-US" sz="1800" dirty="0"/>
+              <a:rPr lang="en-US" dirty="0"/>
               <a:t>Phones and webcams constantly take pictures and videos today</a:t>
             </a:r>
           </a:p>
           <a:p>
             <a:pPr lvl="1"/>
             <a:r>
-              <a:rPr lang="en-US" sz="2000" dirty="0"/>
+              <a:rPr lang="en-US" dirty="0"/>
               <a:t>It can be used to represent:</a:t>
             </a:r>
           </a:p>
           <a:p>
             <a:pPr lvl="2"/>
             <a:r>
-              <a:rPr lang="en-US" sz="1800" dirty="0"/>
+              <a:rPr lang="en-US" dirty="0"/>
               <a:t>Text </a:t>
             </a:r>
           </a:p>
           <a:p>
             <a:pPr lvl="2"/>
             <a:r>
-              <a:rPr lang="en-US" sz="1800" dirty="0"/>
+              <a:rPr lang="en-US" dirty="0"/>
               <a:t>Tabular data </a:t>
             </a:r>
           </a:p>
           <a:p>
             <a:pPr lvl="2"/>
             <a:r>
-              <a:rPr lang="en-US" sz="1800" dirty="0"/>
+              <a:rPr lang="en-US" dirty="0"/>
               <a:t>Audio </a:t>
             </a:r>
           </a:p>
           <a:p>
             <a:pPr lvl="2"/>
             <a:r>
-              <a:rPr lang="en-US" sz="1800" dirty="0"/>
+              <a:rPr lang="en-US" dirty="0"/>
               <a:t>And to some extent, videos </a:t>
             </a:r>
           </a:p>
